--- a/docs/diagrams/UiComponentClassDiagram.pptx
+++ b/docs/diagrams/UiComponentClassDiagram.pptx
@@ -126,6 +126,10 @@
 </p:presentation>
 </file>
 
+<file path=ppt/revisionInfo.xml><?xml version="1.0" encoding="utf-8"?>
+<p1510:revInfo xmlns:a="http://schemas.openxmlformats.org/drawingml/2006/main" xmlns:r="http://schemas.openxmlformats.org/officeDocument/2006/relationships" xmlns:p1510="http://schemas.microsoft.com/office/powerpoint/2015/10/main"/>
+</file>
+
 <file path=ppt/notesMasters/notesMaster1.xml><?xml version="1.0" encoding="utf-8"?>
 <p:notesMaster xmlns:a="http://schemas.openxmlformats.org/drawingml/2006/main" xmlns:r="http://schemas.openxmlformats.org/officeDocument/2006/relationships" xmlns:p="http://schemas.openxmlformats.org/presentationml/2006/main">
   <p:cSld>
@@ -208,7 +212,7 @@
           <a:p>
             <a:fld id="{F5CC4B3F-88C1-4FFA-B1B6-F41C21DC6924}" type="datetimeFigureOut">
               <a:rPr lang="en-US" smtClean="0"/>
-              <a:t>1/7/2017</a:t>
+              <a:t>4/5/2018</a:t>
             </a:fld>
             <a:endParaRPr lang="en-US"/>
           </a:p>
@@ -654,7 +658,7 @@
           <a:p>
             <a:fld id="{78C97017-6FC3-485B-9764-EAC9E56C1D49}" type="datetimeFigureOut">
               <a:rPr lang="en-US" smtClean="0"/>
-              <a:t>1/7/2017</a:t>
+              <a:t>4/5/2018</a:t>
             </a:fld>
             <a:endParaRPr lang="en-US"/>
           </a:p>
@@ -822,7 +826,7 @@
           <a:p>
             <a:fld id="{78C97017-6FC3-485B-9764-EAC9E56C1D49}" type="datetimeFigureOut">
               <a:rPr lang="en-US" smtClean="0"/>
-              <a:t>1/7/2017</a:t>
+              <a:t>4/5/2018</a:t>
             </a:fld>
             <a:endParaRPr lang="en-US"/>
           </a:p>
@@ -1000,7 +1004,7 @@
           <a:p>
             <a:fld id="{78C97017-6FC3-485B-9764-EAC9E56C1D49}" type="datetimeFigureOut">
               <a:rPr lang="en-US" smtClean="0"/>
-              <a:t>1/7/2017</a:t>
+              <a:t>4/5/2018</a:t>
             </a:fld>
             <a:endParaRPr lang="en-US"/>
           </a:p>
@@ -1168,7 +1172,7 @@
           <a:p>
             <a:fld id="{78C97017-6FC3-485B-9764-EAC9E56C1D49}" type="datetimeFigureOut">
               <a:rPr lang="en-US" smtClean="0"/>
-              <a:t>1/7/2017</a:t>
+              <a:t>4/5/2018</a:t>
             </a:fld>
             <a:endParaRPr lang="en-US"/>
           </a:p>
@@ -1413,7 +1417,7 @@
           <a:p>
             <a:fld id="{78C97017-6FC3-485B-9764-EAC9E56C1D49}" type="datetimeFigureOut">
               <a:rPr lang="en-US" smtClean="0"/>
-              <a:t>1/7/2017</a:t>
+              <a:t>4/5/2018</a:t>
             </a:fld>
             <a:endParaRPr lang="en-US"/>
           </a:p>
@@ -1698,7 +1702,7 @@
           <a:p>
             <a:fld id="{78C97017-6FC3-485B-9764-EAC9E56C1D49}" type="datetimeFigureOut">
               <a:rPr lang="en-US" smtClean="0"/>
-              <a:t>1/7/2017</a:t>
+              <a:t>4/5/2018</a:t>
             </a:fld>
             <a:endParaRPr lang="en-US"/>
           </a:p>
@@ -2117,7 +2121,7 @@
           <a:p>
             <a:fld id="{78C97017-6FC3-485B-9764-EAC9E56C1D49}" type="datetimeFigureOut">
               <a:rPr lang="en-US" smtClean="0"/>
-              <a:t>1/7/2017</a:t>
+              <a:t>4/5/2018</a:t>
             </a:fld>
             <a:endParaRPr lang="en-US"/>
           </a:p>
@@ -2234,7 +2238,7 @@
           <a:p>
             <a:fld id="{78C97017-6FC3-485B-9764-EAC9E56C1D49}" type="datetimeFigureOut">
               <a:rPr lang="en-US" smtClean="0"/>
-              <a:t>1/7/2017</a:t>
+              <a:t>4/5/2018</a:t>
             </a:fld>
             <a:endParaRPr lang="en-US"/>
           </a:p>
@@ -2329,7 +2333,7 @@
           <a:p>
             <a:fld id="{78C97017-6FC3-485B-9764-EAC9E56C1D49}" type="datetimeFigureOut">
               <a:rPr lang="en-US" smtClean="0"/>
-              <a:t>1/7/2017</a:t>
+              <a:t>4/5/2018</a:t>
             </a:fld>
             <a:endParaRPr lang="en-US"/>
           </a:p>
@@ -2604,7 +2608,7 @@
           <a:p>
             <a:fld id="{78C97017-6FC3-485B-9764-EAC9E56C1D49}" type="datetimeFigureOut">
               <a:rPr lang="en-US" smtClean="0"/>
-              <a:t>1/7/2017</a:t>
+              <a:t>4/5/2018</a:t>
             </a:fld>
             <a:endParaRPr lang="en-US"/>
           </a:p>
@@ -2856,7 +2860,7 @@
           <a:p>
             <a:fld id="{78C97017-6FC3-485B-9764-EAC9E56C1D49}" type="datetimeFigureOut">
               <a:rPr lang="en-US" smtClean="0"/>
-              <a:t>1/7/2017</a:t>
+              <a:t>4/5/2018</a:t>
             </a:fld>
             <a:endParaRPr lang="en-US"/>
           </a:p>
@@ -3067,7 +3071,7 @@
           <a:p>
             <a:fld id="{78C97017-6FC3-485B-9764-EAC9E56C1D49}" type="datetimeFigureOut">
               <a:rPr lang="en-US" smtClean="0"/>
-              <a:t>1/7/2017</a:t>
+              <a:t>4/5/2018</a:t>
             </a:fld>
             <a:endParaRPr lang="en-US"/>
           </a:p>
@@ -3450,8 +3454,8 @@
         </p:nvSpPr>
         <p:spPr>
           <a:xfrm>
-            <a:off x="1217465" y="1447800"/>
-            <a:ext cx="4917083" cy="3962400"/>
+            <a:off x="1227618" y="1440472"/>
+            <a:ext cx="4917083" cy="5029200"/>
           </a:xfrm>
           <a:prstGeom prst="roundRect">
             <a:avLst>
@@ -3945,7 +3949,7 @@
         </p:nvSpPr>
         <p:spPr>
           <a:xfrm>
-            <a:off x="2592527" y="4563759"/>
+            <a:off x="2564051" y="5326972"/>
             <a:ext cx="1093635" cy="236841"/>
           </a:xfrm>
           <a:prstGeom prst="rect">
@@ -4125,7 +4129,7 @@
         </p:nvSpPr>
         <p:spPr>
           <a:xfrm>
-            <a:off x="2592528" y="4966000"/>
+            <a:off x="2547514" y="6127860"/>
             <a:ext cx="1093635" cy="236841"/>
           </a:xfrm>
           <a:prstGeom prst="rect">
@@ -4412,15 +4416,15 @@
         <p:nvCxnSpPr>
           <p:cNvPr id="50" name="Elbow Connector 63"/>
           <p:cNvCxnSpPr>
-            <a:stCxn id="39" idx="2"/>
+            <a:cxnSpLocks/>
             <a:endCxn id="35" idx="1"/>
           </p:cNvCxnSpPr>
           <p:nvPr/>
         </p:nvCxnSpPr>
         <p:spPr>
           <a:xfrm rot="16200000" flipH="1">
-            <a:off x="1597249" y="3686901"/>
-            <a:ext cx="1814155" cy="176401"/>
+            <a:off x="1613899" y="4495241"/>
+            <a:ext cx="1749760" cy="150544"/>
           </a:xfrm>
           <a:prstGeom prst="bentConnector2">
             <a:avLst/>
@@ -4453,14 +4457,15 @@
         <p:nvCxnSpPr>
           <p:cNvPr id="53" name="Elbow Connector 63"/>
           <p:cNvCxnSpPr>
+            <a:cxnSpLocks/>
             <a:endCxn id="38" idx="1"/>
           </p:cNvCxnSpPr>
           <p:nvPr/>
         </p:nvCxnSpPr>
         <p:spPr>
           <a:xfrm rot="16200000" flipH="1">
-            <a:off x="1184119" y="3676012"/>
-            <a:ext cx="2396440" cy="420377"/>
+            <a:off x="579419" y="4278185"/>
+            <a:ext cx="3558299" cy="377892"/>
           </a:xfrm>
           <a:prstGeom prst="bentConnector2">
             <a:avLst/>
@@ -4743,8 +4748,8 @@
         </p:nvCxnSpPr>
         <p:spPr>
           <a:xfrm rot="5400000">
-            <a:off x="3409976" y="2562187"/>
-            <a:ext cx="2396180" cy="1843807"/>
+            <a:off x="3014132" y="2929555"/>
+            <a:ext cx="3159393" cy="1872283"/>
           </a:xfrm>
           <a:prstGeom prst="bentConnector2">
             <a:avLst/>
@@ -4777,6 +4782,7 @@
         <p:nvCxnSpPr>
           <p:cNvPr id="94" name="Elbow Connector 63"/>
           <p:cNvCxnSpPr>
+            <a:cxnSpLocks/>
             <a:stCxn id="16" idx="3"/>
             <a:endCxn id="38" idx="3"/>
           </p:cNvCxnSpPr>
@@ -4784,8 +4790,8 @@
         </p:nvCxnSpPr>
         <p:spPr>
           <a:xfrm rot="5400000">
-            <a:off x="3208856" y="2763307"/>
-            <a:ext cx="2798421" cy="1843806"/>
+            <a:off x="2605419" y="3321730"/>
+            <a:ext cx="3960281" cy="1888820"/>
           </a:xfrm>
           <a:prstGeom prst="bentConnector2">
             <a:avLst/>
@@ -5437,6 +5443,431 @@
           <a:xfrm flipV="1">
             <a:off x="4114799" y="4472708"/>
             <a:ext cx="2642195" cy="101600"/>
+          </a:xfrm>
+          <a:custGeom>
+            <a:avLst/>
+            <a:gdLst>
+              <a:gd name="connsiteX0" fmla="*/ 0 w 3048000"/>
+              <a:gd name="connsiteY0" fmla="*/ 203200 h 203200"/>
+              <a:gd name="connsiteX1" fmla="*/ 221673 w 3048000"/>
+              <a:gd name="connsiteY1" fmla="*/ 0 h 203200"/>
+              <a:gd name="connsiteX2" fmla="*/ 3048000 w 3048000"/>
+              <a:gd name="connsiteY2" fmla="*/ 0 h 203200"/>
+            </a:gdLst>
+            <a:ahLst/>
+            <a:cxnLst>
+              <a:cxn ang="0">
+                <a:pos x="connsiteX0" y="connsiteY0"/>
+              </a:cxn>
+              <a:cxn ang="0">
+                <a:pos x="connsiteX1" y="connsiteY1"/>
+              </a:cxn>
+              <a:cxn ang="0">
+                <a:pos x="connsiteX2" y="connsiteY2"/>
+              </a:cxn>
+            </a:cxnLst>
+            <a:rect l="l" t="t" r="r" b="b"/>
+            <a:pathLst>
+              <a:path w="3048000" h="203200">
+                <a:moveTo>
+                  <a:pt x="0" y="203200"/>
+                </a:moveTo>
+                <a:lnTo>
+                  <a:pt x="221673" y="0"/>
+                </a:lnTo>
+                <a:lnTo>
+                  <a:pt x="3048000" y="0"/>
+                </a:lnTo>
+              </a:path>
+            </a:pathLst>
+          </a:custGeom>
+          <a:noFill/>
+          <a:ln w="19050">
+            <a:solidFill>
+              <a:schemeClr val="accent3"/>
+            </a:solidFill>
+            <a:prstDash val="sysDot"/>
+            <a:headEnd type="none" w="med" len="med"/>
+            <a:tailEnd type="arrow" w="med" len="med"/>
+          </a:ln>
+          <a:effectLst/>
+        </p:spPr>
+        <p:style>
+          <a:lnRef idx="1">
+            <a:schemeClr val="accent2"/>
+          </a:lnRef>
+          <a:fillRef idx="2">
+            <a:schemeClr val="accent2"/>
+          </a:fillRef>
+          <a:effectRef idx="1">
+            <a:schemeClr val="accent2"/>
+          </a:effectRef>
+          <a:fontRef idx="minor">
+            <a:schemeClr val="dk1"/>
+          </a:fontRef>
+        </p:style>
+        <p:txBody>
+          <a:bodyPr rtlCol="0" anchor="ctr"/>
+          <a:lstStyle/>
+          <a:p>
+            <a:pPr algn="ctr"/>
+            <a:endParaRPr lang="en-SG"/>
+          </a:p>
+        </p:txBody>
+      </p:sp>
+      <p:sp>
+        <p:nvSpPr>
+          <p:cNvPr id="46" name="Rectangle 11">
+            <a:extLst>
+              <a:ext uri="{FF2B5EF4-FFF2-40B4-BE49-F238E27FC236}">
+                <a16:creationId xmlns:a16="http://schemas.microsoft.com/office/drawing/2014/main" id="{016E7F89-DE01-4A33-97D7-07BFC4120347}"/>
+              </a:ext>
+            </a:extLst>
+          </p:cNvPr>
+          <p:cNvSpPr/>
+          <p:nvPr/>
+        </p:nvSpPr>
+        <p:spPr>
+          <a:xfrm>
+            <a:off x="2547514" y="5729213"/>
+            <a:ext cx="1093635" cy="231256"/>
+          </a:xfrm>
+          <a:prstGeom prst="rect">
+            <a:avLst/>
+          </a:prstGeom>
+          <a:ln w="19050">
+            <a:solidFill>
+              <a:schemeClr val="accent3"/>
+            </a:solidFill>
+          </a:ln>
+          <a:effectLst/>
+        </p:spPr>
+        <p:style>
+          <a:lnRef idx="1">
+            <a:schemeClr val="accent3"/>
+          </a:lnRef>
+          <a:fillRef idx="2">
+            <a:schemeClr val="accent3"/>
+          </a:fillRef>
+          <a:effectRef idx="1">
+            <a:schemeClr val="accent3"/>
+          </a:effectRef>
+          <a:fontRef idx="minor">
+            <a:schemeClr val="dk1"/>
+          </a:fontRef>
+        </p:style>
+        <p:txBody>
+          <a:bodyPr rtlCol="0" anchor="ctr"/>
+          <a:lstStyle/>
+          <a:p>
+            <a:pPr algn="ctr"/>
+            <a:r>
+              <a:rPr lang="en-US" sz="1050" b="1" dirty="0" err="1">
+                <a:solidFill>
+                  <a:schemeClr val="accent3">
+                    <a:lumMod val="75000"/>
+                  </a:schemeClr>
+                </a:solidFill>
+              </a:rPr>
+              <a:t>CalendarPanel</a:t>
+            </a:r>
+            <a:endParaRPr lang="en-SG" sz="1050" b="1" dirty="0">
+              <a:solidFill>
+                <a:schemeClr val="accent3">
+                  <a:lumMod val="75000"/>
+                </a:schemeClr>
+              </a:solidFill>
+            </a:endParaRPr>
+          </a:p>
+        </p:txBody>
+      </p:sp>
+      <p:cxnSp>
+        <p:nvCxnSpPr>
+          <p:cNvPr id="48" name="Elbow Connector 63">
+            <a:extLst>
+              <a:ext uri="{FF2B5EF4-FFF2-40B4-BE49-F238E27FC236}">
+                <a16:creationId xmlns:a16="http://schemas.microsoft.com/office/drawing/2014/main" id="{9DEA3FE5-8303-4D8C-BBA7-4B992FE30825}"/>
+              </a:ext>
+            </a:extLst>
+          </p:cNvPr>
+          <p:cNvCxnSpPr>
+            <a:cxnSpLocks/>
+            <a:endCxn id="46" idx="1"/>
+          </p:cNvCxnSpPr>
+          <p:nvPr/>
+        </p:nvCxnSpPr>
+        <p:spPr>
+          <a:xfrm rot="16200000" flipH="1">
+            <a:off x="2262569" y="5559895"/>
+            <a:ext cx="434641" cy="135249"/>
+          </a:xfrm>
+          <a:prstGeom prst="bentConnector2">
+            <a:avLst/>
+          </a:prstGeom>
+          <a:ln w="19050">
+            <a:solidFill>
+              <a:schemeClr val="accent3"/>
+            </a:solidFill>
+            <a:headEnd type="none" w="med" len="med"/>
+            <a:tailEnd type="arrow" w="med" len="med"/>
+          </a:ln>
+          <a:effectLst/>
+        </p:spPr>
+        <p:style>
+          <a:lnRef idx="1">
+            <a:schemeClr val="accent2"/>
+          </a:lnRef>
+          <a:fillRef idx="2">
+            <a:schemeClr val="accent2"/>
+          </a:fillRef>
+          <a:effectRef idx="1">
+            <a:schemeClr val="accent2"/>
+          </a:effectRef>
+          <a:fontRef idx="minor">
+            <a:schemeClr val="dk1"/>
+          </a:fontRef>
+        </p:style>
+      </p:cxnSp>
+      <p:cxnSp>
+        <p:nvCxnSpPr>
+          <p:cNvPr id="56" name="Elbow Connector 63">
+            <a:extLst>
+              <a:ext uri="{FF2B5EF4-FFF2-40B4-BE49-F238E27FC236}">
+                <a16:creationId xmlns:a16="http://schemas.microsoft.com/office/drawing/2014/main" id="{24326314-2836-4F3D-93C4-FA3E56D381CD}"/>
+              </a:ext>
+            </a:extLst>
+          </p:cNvPr>
+          <p:cNvCxnSpPr/>
+          <p:nvPr/>
+        </p:nvCxnSpPr>
+        <p:spPr>
+          <a:xfrm rot="5400000">
+            <a:off x="3014045" y="3342555"/>
+            <a:ext cx="3159393" cy="1872283"/>
+          </a:xfrm>
+          <a:prstGeom prst="bentConnector2">
+            <a:avLst/>
+          </a:prstGeom>
+          <a:ln w="6350">
+            <a:solidFill>
+              <a:schemeClr val="accent3"/>
+            </a:solidFill>
+            <a:headEnd type="none" w="med" len="med"/>
+            <a:tailEnd type="none" w="med" len="med"/>
+          </a:ln>
+          <a:effectLst/>
+        </p:spPr>
+        <p:style>
+          <a:lnRef idx="1">
+            <a:schemeClr val="accent2"/>
+          </a:lnRef>
+          <a:fillRef idx="2">
+            <a:schemeClr val="accent2"/>
+          </a:fillRef>
+          <a:effectRef idx="1">
+            <a:schemeClr val="accent2"/>
+          </a:effectRef>
+          <a:fontRef idx="minor">
+            <a:schemeClr val="dk1"/>
+          </a:fontRef>
+        </p:style>
+      </p:cxnSp>
+      <p:sp>
+        <p:nvSpPr>
+          <p:cNvPr id="62" name="Rectangle 11">
+            <a:extLst>
+              <a:ext uri="{FF2B5EF4-FFF2-40B4-BE49-F238E27FC236}">
+                <a16:creationId xmlns:a16="http://schemas.microsoft.com/office/drawing/2014/main" id="{A7116995-A560-4B29-93D0-0A17D00F6C46}"/>
+              </a:ext>
+            </a:extLst>
+          </p:cNvPr>
+          <p:cNvSpPr/>
+          <p:nvPr/>
+        </p:nvSpPr>
+        <p:spPr>
+          <a:xfrm>
+            <a:off x="2574917" y="4591128"/>
+            <a:ext cx="1246797" cy="212605"/>
+          </a:xfrm>
+          <a:prstGeom prst="rect">
+            <a:avLst/>
+          </a:prstGeom>
+          <a:ln w="19050">
+            <a:solidFill>
+              <a:schemeClr val="accent3"/>
+            </a:solidFill>
+          </a:ln>
+          <a:effectLst/>
+        </p:spPr>
+        <p:style>
+          <a:lnRef idx="1">
+            <a:schemeClr val="accent3"/>
+          </a:lnRef>
+          <a:fillRef idx="2">
+            <a:schemeClr val="accent3"/>
+          </a:fillRef>
+          <a:effectRef idx="1">
+            <a:schemeClr val="accent3"/>
+          </a:effectRef>
+          <a:fontRef idx="minor">
+            <a:schemeClr val="dk1"/>
+          </a:fontRef>
+        </p:style>
+        <p:txBody>
+          <a:bodyPr rtlCol="0" anchor="ctr"/>
+          <a:lstStyle/>
+          <a:p>
+            <a:pPr algn="ctr"/>
+            <a:r>
+              <a:rPr lang="en-US" sz="900" b="1" dirty="0" err="1">
+                <a:solidFill>
+                  <a:schemeClr val="accent3">
+                    <a:lumMod val="75000"/>
+                  </a:schemeClr>
+                </a:solidFill>
+              </a:rPr>
+              <a:t>CrimeCaseListPanel</a:t>
+            </a:r>
+            <a:endParaRPr lang="en-SG" sz="900" b="1" dirty="0">
+              <a:solidFill>
+                <a:schemeClr val="accent3">
+                  <a:lumMod val="75000"/>
+                </a:schemeClr>
+              </a:solidFill>
+            </a:endParaRPr>
+          </a:p>
+        </p:txBody>
+      </p:sp>
+      <p:sp>
+        <p:nvSpPr>
+          <p:cNvPr id="63" name="Rectangle 11">
+            <a:extLst>
+              <a:ext uri="{FF2B5EF4-FFF2-40B4-BE49-F238E27FC236}">
+                <a16:creationId xmlns:a16="http://schemas.microsoft.com/office/drawing/2014/main" id="{3AFE9074-C907-429E-8E8C-F3B068ED76FF}"/>
+              </a:ext>
+            </a:extLst>
+          </p:cNvPr>
+          <p:cNvSpPr/>
+          <p:nvPr/>
+        </p:nvSpPr>
+        <p:spPr>
+          <a:xfrm>
+            <a:off x="3918585" y="4847511"/>
+            <a:ext cx="1333948" cy="219671"/>
+          </a:xfrm>
+          <a:prstGeom prst="rect">
+            <a:avLst/>
+          </a:prstGeom>
+          <a:ln w="19050">
+            <a:solidFill>
+              <a:schemeClr val="accent3"/>
+            </a:solidFill>
+          </a:ln>
+          <a:effectLst/>
+        </p:spPr>
+        <p:style>
+          <a:lnRef idx="1">
+            <a:schemeClr val="accent3"/>
+          </a:lnRef>
+          <a:fillRef idx="2">
+            <a:schemeClr val="accent3"/>
+          </a:fillRef>
+          <a:effectRef idx="1">
+            <a:schemeClr val="accent3"/>
+          </a:effectRef>
+          <a:fontRef idx="minor">
+            <a:schemeClr val="dk1"/>
+          </a:fontRef>
+        </p:style>
+        <p:txBody>
+          <a:bodyPr rtlCol="0" anchor="ctr"/>
+          <a:lstStyle/>
+          <a:p>
+            <a:pPr algn="ctr"/>
+            <a:r>
+              <a:rPr lang="en-US" sz="1050" b="1" dirty="0" err="1">
+                <a:solidFill>
+                  <a:schemeClr val="accent3">
+                    <a:lumMod val="75000"/>
+                  </a:schemeClr>
+                </a:solidFill>
+              </a:rPr>
+              <a:t>CrimeCaseCard</a:t>
+            </a:r>
+            <a:endParaRPr lang="en-SG" sz="1050" b="1" dirty="0">
+              <a:solidFill>
+                <a:schemeClr val="accent3">
+                  <a:lumMod val="75000"/>
+                </a:schemeClr>
+              </a:solidFill>
+            </a:endParaRPr>
+          </a:p>
+        </p:txBody>
+      </p:sp>
+      <p:cxnSp>
+        <p:nvCxnSpPr>
+          <p:cNvPr id="64" name="Elbow Connector 136">
+            <a:extLst>
+              <a:ext uri="{FF2B5EF4-FFF2-40B4-BE49-F238E27FC236}">
+                <a16:creationId xmlns:a16="http://schemas.microsoft.com/office/drawing/2014/main" id="{12C52B77-320B-4370-A6F9-C67595CB5C0B}"/>
+              </a:ext>
+            </a:extLst>
+          </p:cNvPr>
+          <p:cNvCxnSpPr>
+            <a:cxnSpLocks/>
+          </p:cNvCxnSpPr>
+          <p:nvPr/>
+        </p:nvCxnSpPr>
+        <p:spPr>
+          <a:xfrm>
+            <a:off x="3110021" y="4815340"/>
+            <a:ext cx="808477" cy="98632"/>
+          </a:xfrm>
+          <a:prstGeom prst="bentConnector3">
+            <a:avLst>
+              <a:gd name="adj1" fmla="val -780"/>
+            </a:avLst>
+          </a:prstGeom>
+          <a:ln w="19050">
+            <a:solidFill>
+              <a:schemeClr val="accent3"/>
+            </a:solidFill>
+            <a:headEnd type="none" w="med" len="med"/>
+            <a:tailEnd type="arrow" w="med" len="med"/>
+          </a:ln>
+          <a:effectLst/>
+        </p:spPr>
+        <p:style>
+          <a:lnRef idx="1">
+            <a:schemeClr val="accent2"/>
+          </a:lnRef>
+          <a:fillRef idx="2">
+            <a:schemeClr val="accent2"/>
+          </a:fillRef>
+          <a:effectRef idx="1">
+            <a:schemeClr val="accent2"/>
+          </a:effectRef>
+          <a:fontRef idx="minor">
+            <a:schemeClr val="dk1"/>
+          </a:fontRef>
+        </p:style>
+      </p:cxnSp>
+      <p:sp>
+        <p:nvSpPr>
+          <p:cNvPr id="65" name="Freeform 117">
+            <a:extLst>
+              <a:ext uri="{FF2B5EF4-FFF2-40B4-BE49-F238E27FC236}">
+                <a16:creationId xmlns:a16="http://schemas.microsoft.com/office/drawing/2014/main" id="{A0A6B04E-B4F5-44D9-8325-0FCDD528CC12}"/>
+              </a:ext>
+            </a:extLst>
+          </p:cNvPr>
+          <p:cNvSpPr/>
+          <p:nvPr/>
+        </p:nvSpPr>
+        <p:spPr>
+          <a:xfrm flipV="1">
+            <a:off x="4348242" y="5088235"/>
+            <a:ext cx="2395985" cy="121326"/>
           </a:xfrm>
           <a:custGeom>
             <a:avLst/>
